--- a/Documents/Presentation.pptx
+++ b/Documents/Presentation.pptx
@@ -302,7 +302,7 @@
             <a:fld id="{1D8BD707-D9CF-40AE-B4C6-C98DA3205C09}" type="datetimeFigureOut">
               <a:rPr lang="en-US" smtClean="0"/>
               <a:pPr/>
-              <a:t>04-Dec-16</a:t>
+              <a:t>12/5/2016</a:t>
             </a:fld>
             <a:endParaRPr lang="en-US"/>
           </a:p>
@@ -504,7 +504,7 @@
             <a:fld id="{1D8BD707-D9CF-40AE-B4C6-C98DA3205C09}" type="datetimeFigureOut">
               <a:rPr lang="en-US" smtClean="0"/>
               <a:pPr/>
-              <a:t>04-Dec-16</a:t>
+              <a:t>12/5/2016</a:t>
             </a:fld>
             <a:endParaRPr lang="en-US"/>
           </a:p>
@@ -681,7 +681,7 @@
             <a:fld id="{1D8BD707-D9CF-40AE-B4C6-C98DA3205C09}" type="datetimeFigureOut">
               <a:rPr lang="en-US" smtClean="0"/>
               <a:pPr/>
-              <a:t>04-Dec-16</a:t>
+              <a:t>12/5/2016</a:t>
             </a:fld>
             <a:endParaRPr lang="en-US"/>
           </a:p>
@@ -848,7 +848,7 @@
             <a:fld id="{1D8BD707-D9CF-40AE-B4C6-C98DA3205C09}" type="datetimeFigureOut">
               <a:rPr lang="en-US" smtClean="0"/>
               <a:pPr/>
-              <a:t>04-Dec-16</a:t>
+              <a:t>12/5/2016</a:t>
             </a:fld>
             <a:endParaRPr lang="en-US"/>
           </a:p>
@@ -1098,7 +1098,7 @@
             <a:fld id="{1D8BD707-D9CF-40AE-B4C6-C98DA3205C09}" type="datetimeFigureOut">
               <a:rPr lang="en-US" smtClean="0"/>
               <a:pPr/>
-              <a:t>04-Dec-16</a:t>
+              <a:t>12/5/2016</a:t>
             </a:fld>
             <a:endParaRPr lang="en-US"/>
           </a:p>
@@ -1418,7 +1418,7 @@
             <a:fld id="{1D8BD707-D9CF-40AE-B4C6-C98DA3205C09}" type="datetimeFigureOut">
               <a:rPr lang="en-US" smtClean="0"/>
               <a:pPr/>
-              <a:t>04-Dec-16</a:t>
+              <a:t>12/5/2016</a:t>
             </a:fld>
             <a:endParaRPr lang="en-US"/>
           </a:p>
@@ -1886,7 +1886,7 @@
             <a:fld id="{1D8BD707-D9CF-40AE-B4C6-C98DA3205C09}" type="datetimeFigureOut">
               <a:rPr lang="en-US" smtClean="0"/>
               <a:pPr/>
-              <a:t>04-Dec-16</a:t>
+              <a:t>12/5/2016</a:t>
             </a:fld>
             <a:endParaRPr lang="en-US"/>
           </a:p>
@@ -2036,7 +2036,7 @@
             <a:fld id="{1D8BD707-D9CF-40AE-B4C6-C98DA3205C09}" type="datetimeFigureOut">
               <a:rPr lang="en-US" smtClean="0"/>
               <a:pPr/>
-              <a:t>04-Dec-16</a:t>
+              <a:t>12/5/2016</a:t>
             </a:fld>
             <a:endParaRPr lang="en-US"/>
           </a:p>
@@ -2128,7 +2128,7 @@
             <a:fld id="{1D8BD707-D9CF-40AE-B4C6-C98DA3205C09}" type="datetimeFigureOut">
               <a:rPr lang="en-US" smtClean="0"/>
               <a:pPr/>
-              <a:t>04-Dec-16</a:t>
+              <a:t>12/5/2016</a:t>
             </a:fld>
             <a:endParaRPr lang="en-US"/>
           </a:p>
@@ -2404,7 +2404,7 @@
             <a:fld id="{1D8BD707-D9CF-40AE-B4C6-C98DA3205C09}" type="datetimeFigureOut">
               <a:rPr lang="en-US" smtClean="0"/>
               <a:pPr/>
-              <a:t>04-Dec-16</a:t>
+              <a:t>12/5/2016</a:t>
             </a:fld>
             <a:endParaRPr lang="en-US"/>
           </a:p>
@@ -2711,7 +2711,7 @@
             <a:fld id="{1D8BD707-D9CF-40AE-B4C6-C98DA3205C09}" type="datetimeFigureOut">
               <a:rPr lang="en-US" smtClean="0"/>
               <a:pPr/>
-              <a:t>04-Dec-16</a:t>
+              <a:t>12/5/2016</a:t>
             </a:fld>
             <a:endParaRPr lang="en-US"/>
           </a:p>
@@ -3011,7 +3011,7 @@
             <a:fld id="{1D8BD707-D9CF-40AE-B4C6-C98DA3205C09}" type="datetimeFigureOut">
               <a:rPr lang="en-US" smtClean="0"/>
               <a:pPr/>
-              <a:t>04-Dec-16</a:t>
+              <a:t>12/5/2016</a:t>
             </a:fld>
             <a:endParaRPr lang="en-US"/>
           </a:p>
@@ -3398,12 +3398,12 @@
     <p:bg>
       <p:bgPr>
         <a:blipFill dpi="0" rotWithShape="1">
-          <a:blip r:embed="rId2">
+          <a:blip r:embed="rId2" cstate="print">
             <a:alphaModFix amt="29000"/>
             <a:lum/>
             <a:extLst>
               <a:ext uri="{BEBA8EAE-BF5A-486C-A8C5-ECC9F3942E4B}">
-                <a14:imgProps xmlns:a14="http://schemas.microsoft.com/office/drawing/2010/main">
+                <a14:imgProps xmlns:a14="http://schemas.microsoft.com/office/drawing/2010/main" xmlns="">
                   <a14:imgLayer r:embed="rId3">
                     <a14:imgEffect>
                       <a14:artisticTexturizer/>
@@ -3450,7 +3450,7 @@
           <a:blip r:embed="rId4" cstate="print">
             <a:extLst>
               <a:ext uri="{28A0092B-C50C-407E-A947-70E740481C1C}">
-                <a14:useLocalDpi xmlns:a14="http://schemas.microsoft.com/office/drawing/2010/main" val="0"/>
+                <a14:useLocalDpi xmlns:a14="http://schemas.microsoft.com/office/drawing/2010/main" xmlns="" val="0"/>
               </a:ext>
             </a:extLst>
           </a:blip>
@@ -3470,7 +3470,7 @@
           <a:noFill/>
           <a:extLst>
             <a:ext uri="{909E8E84-426E-40DD-AFC4-6F175D3DCCD1}">
-              <a14:hiddenFill xmlns:a14="http://schemas.microsoft.com/office/drawing/2010/main">
+              <a14:hiddenFill xmlns:a14="http://schemas.microsoft.com/office/drawing/2010/main" xmlns="">
                 <a:solidFill>
                   <a:srgbClr val="FFFFFF"/>
                 </a:solidFill>
@@ -3543,7 +3543,23 @@
                   <a:srgbClr val="002060"/>
                 </a:solidFill>
               </a:rPr>
-              <a:t>SJSU CMPE TEAM 30</a:t>
+              <a:t>SJSU </a:t>
+            </a:r>
+            <a:r>
+              <a:rPr lang="en-US" sz="2400" b="1" dirty="0" smtClean="0">
+                <a:solidFill>
+                  <a:srgbClr val="002060"/>
+                </a:solidFill>
+              </a:rPr>
+              <a:t>CMPE 272 </a:t>
+            </a:r>
+            <a:r>
+              <a:rPr lang="en-US" sz="2400" b="1" dirty="0" smtClean="0">
+                <a:solidFill>
+                  <a:srgbClr val="002060"/>
+                </a:solidFill>
+              </a:rPr>
+              <a:t>TEAM 30</a:t>
             </a:r>
             <a:endParaRPr lang="en-US" sz="2400" b="1" dirty="0">
               <a:solidFill>
@@ -3698,7 +3714,7 @@
     </p:spTree>
     <p:extLst>
       <p:ext uri="{BB962C8B-B14F-4D97-AF65-F5344CB8AC3E}">
-        <p14:creationId xmlns:p14="http://schemas.microsoft.com/office/powerpoint/2010/main" val="4035399814"/>
+        <p14:creationId xmlns:p14="http://schemas.microsoft.com/office/powerpoint/2010/main" xmlns="" val="4035399814"/>
       </p:ext>
     </p:extLst>
   </p:cSld>
@@ -3797,7 +3813,11 @@
           <a:p>
             <a:r>
               <a:rPr lang="en-US" dirty="0" smtClean="0"/>
-              <a:t>One can create bot using node and integrate it with his slack channel.</a:t>
+              <a:t>Anyone can </a:t>
+            </a:r>
+            <a:r>
+              <a:rPr lang="en-US" dirty="0" smtClean="0"/>
+              <a:t>create bot using node and integrate it with his slack channel.</a:t>
             </a:r>
           </a:p>
           <a:p>
@@ -3806,8 +3826,13 @@
           <a:p>
             <a:r>
               <a:rPr lang="en-US" dirty="0" smtClean="0"/>
-              <a:t>User can focus more on the behavioral part of the bot and less on the configuration part.</a:t>
-            </a:r>
+              <a:t>User can focus more on the behavioral part of the bot and less on the configuration </a:t>
+            </a:r>
+            <a:r>
+              <a:rPr lang="en-US" dirty="0" smtClean="0"/>
+              <a:t>part.</a:t>
+            </a:r>
+            <a:endParaRPr lang="en-US" dirty="0" smtClean="0"/>
           </a:p>
           <a:p>
             <a:endParaRPr lang="en-US" dirty="0"/>
@@ -3820,7 +3845,7 @@
     </p:spTree>
     <p:extLst>
       <p:ext uri="{BB962C8B-B14F-4D97-AF65-F5344CB8AC3E}">
-        <p14:creationId xmlns:p14="http://schemas.microsoft.com/office/powerpoint/2010/main" val="189342242"/>
+        <p14:creationId xmlns:p14="http://schemas.microsoft.com/office/powerpoint/2010/main" xmlns="" val="189342242"/>
       </p:ext>
     </p:extLst>
   </p:cSld>
@@ -3863,10 +3888,10 @@
           <p:nvPr/>
         </p:nvPicPr>
         <p:blipFill>
-          <a:blip r:embed="rId2">
+          <a:blip r:embed="rId2" cstate="print">
             <a:extLst>
               <a:ext uri="{28A0092B-C50C-407E-A947-70E740481C1C}">
-                <a14:useLocalDpi xmlns:a14="http://schemas.microsoft.com/office/drawing/2010/main" val="0"/>
+                <a14:useLocalDpi xmlns:a14="http://schemas.microsoft.com/office/drawing/2010/main" xmlns="" val="0"/>
               </a:ext>
             </a:extLst>
           </a:blip>
@@ -3889,14 +3914,14 @@
           </a:ln>
           <a:extLst>
             <a:ext uri="{909E8E84-426E-40DD-AFC4-6F175D3DCCD1}">
-              <a14:hiddenFill xmlns:a14="http://schemas.microsoft.com/office/drawing/2010/main">
+              <a14:hiddenFill xmlns:a14="http://schemas.microsoft.com/office/drawing/2010/main" xmlns="">
                 <a:solidFill>
                   <a:srgbClr val="FFFFFF"/>
                 </a:solidFill>
               </a14:hiddenFill>
             </a:ext>
             <a:ext uri="{91240B29-F687-4F45-9708-019B960494DF}">
-              <a14:hiddenLine xmlns:a14="http://schemas.microsoft.com/office/drawing/2010/main" w="9525">
+              <a14:hiddenLine xmlns:a14="http://schemas.microsoft.com/office/drawing/2010/main" xmlns="" w="9525">
                 <a:solidFill>
                   <a:srgbClr val="000000"/>
                 </a:solidFill>
@@ -3943,10 +3968,10 @@
           <p:nvPr/>
         </p:nvPicPr>
         <p:blipFill>
-          <a:blip r:embed="rId3">
+          <a:blip r:embed="rId3" cstate="print">
             <a:extLst>
               <a:ext uri="{28A0092B-C50C-407E-A947-70E740481C1C}">
-                <a14:useLocalDpi xmlns:a14="http://schemas.microsoft.com/office/drawing/2010/main" val="0"/>
+                <a14:useLocalDpi xmlns:a14="http://schemas.microsoft.com/office/drawing/2010/main" xmlns="" val="0"/>
               </a:ext>
             </a:extLst>
           </a:blip>
@@ -3978,10 +4003,10 @@
           <p:nvPr/>
         </p:nvPicPr>
         <p:blipFill>
-          <a:blip r:embed="rId4">
+          <a:blip r:embed="rId4" cstate="print">
             <a:extLst>
               <a:ext uri="{28A0092B-C50C-407E-A947-70E740481C1C}">
-                <a14:useLocalDpi xmlns:a14="http://schemas.microsoft.com/office/drawing/2010/main" val="0"/>
+                <a14:useLocalDpi xmlns:a14="http://schemas.microsoft.com/office/drawing/2010/main" xmlns="" val="0"/>
               </a:ext>
             </a:extLst>
           </a:blip>
@@ -4004,14 +4029,14 @@
           </a:ln>
           <a:extLst>
             <a:ext uri="{909E8E84-426E-40DD-AFC4-6F175D3DCCD1}">
-              <a14:hiddenFill xmlns:a14="http://schemas.microsoft.com/office/drawing/2010/main">
+              <a14:hiddenFill xmlns:a14="http://schemas.microsoft.com/office/drawing/2010/main" xmlns="">
                 <a:solidFill>
                   <a:srgbClr val="FFFFFF"/>
                 </a:solidFill>
               </a14:hiddenFill>
             </a:ext>
             <a:ext uri="{91240B29-F687-4F45-9708-019B960494DF}">
-              <a14:hiddenLine xmlns:a14="http://schemas.microsoft.com/office/drawing/2010/main" w="9525">
+              <a14:hiddenLine xmlns:a14="http://schemas.microsoft.com/office/drawing/2010/main" xmlns="" w="9525">
                 <a:solidFill>
                   <a:srgbClr val="000000"/>
                 </a:solidFill>
@@ -4032,10 +4057,10 @@
           <p:nvPr/>
         </p:nvPicPr>
         <p:blipFill>
-          <a:blip r:embed="rId5">
+          <a:blip r:embed="rId5" cstate="print">
             <a:extLst>
               <a:ext uri="{28A0092B-C50C-407E-A947-70E740481C1C}">
-                <a14:useLocalDpi xmlns:a14="http://schemas.microsoft.com/office/drawing/2010/main" val="0"/>
+                <a14:useLocalDpi xmlns:a14="http://schemas.microsoft.com/office/drawing/2010/main" xmlns="" val="0"/>
               </a:ext>
             </a:extLst>
           </a:blip>
@@ -4059,14 +4084,14 @@
           <a:effectLst/>
           <a:extLst>
             <a:ext uri="{909E8E84-426E-40DD-AFC4-6F175D3DCCD1}">
-              <a14:hiddenFill xmlns:a14="http://schemas.microsoft.com/office/drawing/2010/main">
+              <a14:hiddenFill xmlns:a14="http://schemas.microsoft.com/office/drawing/2010/main" xmlns="">
                 <a:solidFill>
                   <a:schemeClr val="accent1"/>
                 </a:solidFill>
               </a14:hiddenFill>
             </a:ext>
             <a:ext uri="{91240B29-F687-4F45-9708-019B960494DF}">
-              <a14:hiddenLine xmlns:a14="http://schemas.microsoft.com/office/drawing/2010/main" w="9525">
+              <a14:hiddenLine xmlns:a14="http://schemas.microsoft.com/office/drawing/2010/main" xmlns="" w="9525">
                 <a:solidFill>
                   <a:schemeClr val="tx1"/>
                 </a:solidFill>
@@ -4076,7 +4101,7 @@
               </a14:hiddenLine>
             </a:ext>
             <a:ext uri="{AF507438-7753-43E0-B8FC-AC1667EBCBE1}">
-              <a14:hiddenEffects xmlns:a14="http://schemas.microsoft.com/office/drawing/2010/main">
+              <a14:hiddenEffects xmlns:a14="http://schemas.microsoft.com/office/drawing/2010/main" xmlns="">
                 <a:effectLst>
                   <a:outerShdw dist="35921" dir="2700000" algn="ctr" rotWithShape="0">
                     <a:schemeClr val="bg2"/>
@@ -4634,7 +4659,7 @@
     </p:spTree>
     <p:extLst>
       <p:ext uri="{BB962C8B-B14F-4D97-AF65-F5344CB8AC3E}">
-        <p14:creationId xmlns:p14="http://schemas.microsoft.com/office/powerpoint/2010/main" val="2920084717"/>
+        <p14:creationId xmlns:p14="http://schemas.microsoft.com/office/powerpoint/2010/main" xmlns="" val="2920084717"/>
       </p:ext>
     </p:extLst>
   </p:cSld>
@@ -4675,10 +4700,10 @@
           <p:nvPr/>
         </p:nvPicPr>
         <p:blipFill>
-          <a:blip r:embed="rId2">
+          <a:blip r:embed="rId2" cstate="print">
             <a:extLst>
               <a:ext uri="{28A0092B-C50C-407E-A947-70E740481C1C}">
-                <a14:useLocalDpi xmlns:a14="http://schemas.microsoft.com/office/drawing/2010/main" val="0"/>
+                <a14:useLocalDpi xmlns:a14="http://schemas.microsoft.com/office/drawing/2010/main" xmlns="" val="0"/>
               </a:ext>
             </a:extLst>
           </a:blip>
@@ -4732,7 +4757,7 @@
     </p:spTree>
     <p:extLst>
       <p:ext uri="{BB962C8B-B14F-4D97-AF65-F5344CB8AC3E}">
-        <p14:creationId xmlns:p14="http://schemas.microsoft.com/office/powerpoint/2010/main" val="3569775927"/>
+        <p14:creationId xmlns:p14="http://schemas.microsoft.com/office/powerpoint/2010/main" xmlns="" val="3569775927"/>
       </p:ext>
     </p:extLst>
   </p:cSld>
@@ -4792,7 +4817,7 @@
     </p:spTree>
     <p:extLst>
       <p:ext uri="{BB962C8B-B14F-4D97-AF65-F5344CB8AC3E}">
-        <p14:creationId xmlns:p14="http://schemas.microsoft.com/office/powerpoint/2010/main" val="1394194694"/>
+        <p14:creationId xmlns:p14="http://schemas.microsoft.com/office/powerpoint/2010/main" xmlns="" val="1394194694"/>
       </p:ext>
     </p:extLst>
   </p:cSld>
@@ -4894,7 +4919,7 @@
     </p:spTree>
     <p:extLst>
       <p:ext uri="{BB962C8B-B14F-4D97-AF65-F5344CB8AC3E}">
-        <p14:creationId xmlns:p14="http://schemas.microsoft.com/office/powerpoint/2010/main" val="1359323760"/>
+        <p14:creationId xmlns:p14="http://schemas.microsoft.com/office/powerpoint/2010/main" xmlns="" val="1359323760"/>
       </p:ext>
     </p:extLst>
   </p:cSld>
@@ -4937,10 +4962,10 @@
           <p:nvPr/>
         </p:nvPicPr>
         <p:blipFill>
-          <a:blip r:embed="rId2">
+          <a:blip r:embed="rId2" cstate="print">
             <a:extLst>
               <a:ext uri="{28A0092B-C50C-407E-A947-70E740481C1C}">
-                <a14:useLocalDpi xmlns:a14="http://schemas.microsoft.com/office/drawing/2010/main" val="0"/>
+                <a14:useLocalDpi xmlns:a14="http://schemas.microsoft.com/office/drawing/2010/main" xmlns="" val="0"/>
               </a:ext>
             </a:extLst>
           </a:blip>
@@ -4960,7 +4985,7 @@
           <a:noFill/>
           <a:extLst>
             <a:ext uri="{909E8E84-426E-40DD-AFC4-6F175D3DCCD1}">
-              <a14:hiddenFill xmlns:a14="http://schemas.microsoft.com/office/drawing/2010/main">
+              <a14:hiddenFill xmlns:a14="http://schemas.microsoft.com/office/drawing/2010/main" xmlns="">
                 <a:solidFill>
                   <a:srgbClr val="FFFFFF"/>
                 </a:solidFill>
@@ -4978,10 +5003,10 @@
           <p:nvPr/>
         </p:nvPicPr>
         <p:blipFill>
-          <a:blip r:embed="rId3">
+          <a:blip r:embed="rId3" cstate="print">
             <a:extLst>
               <a:ext uri="{28A0092B-C50C-407E-A947-70E740481C1C}">
-                <a14:useLocalDpi xmlns:a14="http://schemas.microsoft.com/office/drawing/2010/main" val="0"/>
+                <a14:useLocalDpi xmlns:a14="http://schemas.microsoft.com/office/drawing/2010/main" xmlns="" val="0"/>
               </a:ext>
             </a:extLst>
           </a:blip>
@@ -5001,7 +5026,7 @@
           <a:noFill/>
           <a:extLst>
             <a:ext uri="{909E8E84-426E-40DD-AFC4-6F175D3DCCD1}">
-              <a14:hiddenFill xmlns:a14="http://schemas.microsoft.com/office/drawing/2010/main">
+              <a14:hiddenFill xmlns:a14="http://schemas.microsoft.com/office/drawing/2010/main" xmlns="">
                 <a:solidFill>
                   <a:srgbClr val="FFFFFF"/>
                 </a:solidFill>
@@ -5019,10 +5044,10 @@
           <p:nvPr/>
         </p:nvPicPr>
         <p:blipFill>
-          <a:blip r:embed="rId3">
+          <a:blip r:embed="rId3" cstate="print">
             <a:extLst>
               <a:ext uri="{28A0092B-C50C-407E-A947-70E740481C1C}">
-                <a14:useLocalDpi xmlns:a14="http://schemas.microsoft.com/office/drawing/2010/main" val="0"/>
+                <a14:useLocalDpi xmlns:a14="http://schemas.microsoft.com/office/drawing/2010/main" xmlns="" val="0"/>
               </a:ext>
             </a:extLst>
           </a:blip>
@@ -5042,7 +5067,7 @@
           <a:noFill/>
           <a:extLst>
             <a:ext uri="{909E8E84-426E-40DD-AFC4-6F175D3DCCD1}">
-              <a14:hiddenFill xmlns:a14="http://schemas.microsoft.com/office/drawing/2010/main">
+              <a14:hiddenFill xmlns:a14="http://schemas.microsoft.com/office/drawing/2010/main" xmlns="">
                 <a:solidFill>
                   <a:srgbClr val="FFFFFF"/>
                 </a:solidFill>
@@ -5096,7 +5121,7 @@
           <a:blip r:embed="rId4" cstate="print">
             <a:extLst>
               <a:ext uri="{28A0092B-C50C-407E-A947-70E740481C1C}">
-                <a14:useLocalDpi xmlns:a14="http://schemas.microsoft.com/office/drawing/2010/main" val="0"/>
+                <a14:useLocalDpi xmlns:a14="http://schemas.microsoft.com/office/drawing/2010/main" xmlns="" val="0"/>
               </a:ext>
             </a:extLst>
           </a:blip>
@@ -5116,7 +5141,7 @@
           <a:noFill/>
           <a:extLst>
             <a:ext uri="{909E8E84-426E-40DD-AFC4-6F175D3DCCD1}">
-              <a14:hiddenFill xmlns:a14="http://schemas.microsoft.com/office/drawing/2010/main">
+              <a14:hiddenFill xmlns:a14="http://schemas.microsoft.com/office/drawing/2010/main" xmlns="">
                 <a:solidFill>
                   <a:srgbClr val="FFFFFF"/>
                 </a:solidFill>
@@ -5128,7 +5153,7 @@
     </p:spTree>
     <p:extLst>
       <p:ext uri="{BB962C8B-B14F-4D97-AF65-F5344CB8AC3E}">
-        <p14:creationId xmlns:p14="http://schemas.microsoft.com/office/powerpoint/2010/main" val="165969356"/>
+        <p14:creationId xmlns:p14="http://schemas.microsoft.com/office/powerpoint/2010/main" xmlns="" val="165969356"/>
       </p:ext>
     </p:extLst>
   </p:cSld>

--- a/Documents/Presentation.pptx
+++ b/Documents/Presentation.pptx
@@ -8,10 +8,12 @@
     <p:sldId id="257" r:id="rId2"/>
     <p:sldId id="258" r:id="rId3"/>
     <p:sldId id="259" r:id="rId4"/>
-    <p:sldId id="260" r:id="rId5"/>
-    <p:sldId id="261" r:id="rId6"/>
-    <p:sldId id="263" r:id="rId7"/>
-    <p:sldId id="262" r:id="rId8"/>
+    <p:sldId id="261" r:id="rId5"/>
+    <p:sldId id="264" r:id="rId6"/>
+    <p:sldId id="260" r:id="rId7"/>
+    <p:sldId id="265" r:id="rId8"/>
+    <p:sldId id="263" r:id="rId9"/>
+    <p:sldId id="262" r:id="rId10"/>
   </p:sldIdLst>
   <p:sldSz cx="9144000" cy="6858000" type="screen4x3"/>
   <p:notesSz cx="6858000" cy="9144000"/>
@@ -110,6 +112,22 @@
       </a:defRPr>
     </a:lvl9pPr>
   </p:defaultTextStyle>
+  <p:extLst>
+    <p:ext uri="{EFAFB233-063F-42B5-8137-9DF3F51BA10A}">
+      <p15:sldGuideLst xmlns:p15="http://schemas.microsoft.com/office/powerpoint/2012/main">
+        <p15:guide id="1" orient="horz" pos="2160">
+          <p15:clr>
+            <a:srgbClr val="A4A3A4"/>
+          </p15:clr>
+        </p15:guide>
+        <p15:guide id="2" pos="2880">
+          <p15:clr>
+            <a:srgbClr val="A4A3A4"/>
+          </p15:clr>
+        </p15:guide>
+      </p15:sldGuideLst>
+    </p:ext>
+  </p:extLst>
 </p:presentation>
 </file>
 
@@ -157,7 +175,7 @@
           </a:lstStyle>
           <a:p>
             <a:r>
-              <a:rPr lang="en-US" smtClean="0"/>
+              <a:rPr lang="en-US"/>
               <a:t>Click to edit Master title style</a:t>
             </a:r>
             <a:endParaRPr lang="en-US" dirty="0"/>
@@ -277,7 +295,7 @@
           </a:lstStyle>
           <a:p>
             <a:r>
-              <a:rPr lang="en-US" smtClean="0"/>
+              <a:rPr lang="en-US"/>
               <a:t>Click to edit Master subtitle style</a:t>
             </a:r>
             <a:endParaRPr lang="en-US" dirty="0"/>
@@ -427,10 +445,9 @@
           <a:lstStyle/>
           <a:p>
             <a:r>
-              <a:rPr lang="en-US" smtClean="0"/>
+              <a:rPr lang="en-US"/>
               <a:t>Click to edit Master title style</a:t>
             </a:r>
-            <a:endParaRPr lang="en-US"/>
           </a:p>
         </p:txBody>
       </p:sp>
@@ -451,38 +468,37 @@
           <a:p>
             <a:pPr lvl="0"/>
             <a:r>
-              <a:rPr lang="en-US" smtClean="0"/>
+              <a:rPr lang="en-US"/>
               <a:t>Click to edit Master text styles</a:t>
             </a:r>
           </a:p>
           <a:p>
             <a:pPr lvl="1"/>
             <a:r>
-              <a:rPr lang="en-US" smtClean="0"/>
+              <a:rPr lang="en-US"/>
               <a:t>Second level</a:t>
             </a:r>
           </a:p>
           <a:p>
             <a:pPr lvl="2"/>
             <a:r>
-              <a:rPr lang="en-US" smtClean="0"/>
+              <a:rPr lang="en-US"/>
               <a:t>Third level</a:t>
             </a:r>
           </a:p>
           <a:p>
             <a:pPr lvl="3"/>
             <a:r>
-              <a:rPr lang="en-US" smtClean="0"/>
+              <a:rPr lang="en-US"/>
               <a:t>Fourth level</a:t>
             </a:r>
           </a:p>
           <a:p>
             <a:pPr lvl="4"/>
             <a:r>
-              <a:rPr lang="en-US" smtClean="0"/>
+              <a:rPr lang="en-US"/>
               <a:t>Fifth level</a:t>
             </a:r>
-            <a:endParaRPr lang="en-US"/>
           </a:p>
         </p:txBody>
       </p:sp>
@@ -599,7 +615,7 @@
           <a:lstStyle/>
           <a:p>
             <a:r>
-              <a:rPr lang="en-US" smtClean="0"/>
+              <a:rPr lang="en-US"/>
               <a:t>Click to edit Master title style</a:t>
             </a:r>
             <a:endParaRPr lang="en-US" dirty="0"/>
@@ -628,35 +644,35 @@
           <a:p>
             <a:pPr lvl="0"/>
             <a:r>
-              <a:rPr lang="en-US" smtClean="0"/>
+              <a:rPr lang="en-US"/>
               <a:t>Click to edit Master text styles</a:t>
             </a:r>
           </a:p>
           <a:p>
             <a:pPr lvl="1"/>
             <a:r>
-              <a:rPr lang="en-US" smtClean="0"/>
+              <a:rPr lang="en-US"/>
               <a:t>Second level</a:t>
             </a:r>
           </a:p>
           <a:p>
             <a:pPr lvl="2"/>
             <a:r>
-              <a:rPr lang="en-US" smtClean="0"/>
+              <a:rPr lang="en-US"/>
               <a:t>Third level</a:t>
             </a:r>
           </a:p>
           <a:p>
             <a:pPr lvl="3"/>
             <a:r>
-              <a:rPr lang="en-US" smtClean="0"/>
+              <a:rPr lang="en-US"/>
               <a:t>Fourth level</a:t>
             </a:r>
           </a:p>
           <a:p>
             <a:pPr lvl="4"/>
             <a:r>
-              <a:rPr lang="en-US" smtClean="0"/>
+              <a:rPr lang="en-US"/>
               <a:t>Fifth level</a:t>
             </a:r>
             <a:endParaRPr lang="en-US" dirty="0"/>
@@ -771,10 +787,9 @@
           <a:lstStyle/>
           <a:p>
             <a:r>
-              <a:rPr lang="en-US" smtClean="0"/>
+              <a:rPr lang="en-US"/>
               <a:t>Click to edit Master title style</a:t>
             </a:r>
-            <a:endParaRPr lang="en-US"/>
           </a:p>
         </p:txBody>
       </p:sp>
@@ -795,38 +810,37 @@
           <a:p>
             <a:pPr lvl="0"/>
             <a:r>
-              <a:rPr lang="en-US" smtClean="0"/>
+              <a:rPr lang="en-US"/>
               <a:t>Click to edit Master text styles</a:t>
             </a:r>
           </a:p>
           <a:p>
             <a:pPr lvl="1"/>
             <a:r>
-              <a:rPr lang="en-US" smtClean="0"/>
+              <a:rPr lang="en-US"/>
               <a:t>Second level</a:t>
             </a:r>
           </a:p>
           <a:p>
             <a:pPr lvl="2"/>
             <a:r>
-              <a:rPr lang="en-US" smtClean="0"/>
+              <a:rPr lang="en-US"/>
               <a:t>Third level</a:t>
             </a:r>
           </a:p>
           <a:p>
             <a:pPr lvl="3"/>
             <a:r>
-              <a:rPr lang="en-US" smtClean="0"/>
+              <a:rPr lang="en-US"/>
               <a:t>Fourth level</a:t>
             </a:r>
           </a:p>
           <a:p>
             <a:pPr lvl="4"/>
             <a:r>
-              <a:rPr lang="en-US" smtClean="0"/>
+              <a:rPr lang="en-US"/>
               <a:t>Fifth level</a:t>
             </a:r>
-            <a:endParaRPr lang="en-US"/>
           </a:p>
         </p:txBody>
       </p:sp>
@@ -954,7 +968,7 @@
           </a:lstStyle>
           <a:p>
             <a:r>
-              <a:rPr lang="en-US" smtClean="0"/>
+              <a:rPr lang="en-US"/>
               <a:t>Click to edit Master title style</a:t>
             </a:r>
             <a:endParaRPr lang="en-US" dirty="0"/>
@@ -1074,7 +1088,7 @@
           <a:p>
             <a:pPr lvl="0"/>
             <a:r>
-              <a:rPr lang="en-US" smtClean="0"/>
+              <a:rPr lang="en-US"/>
               <a:t>Click to edit Master text styles</a:t>
             </a:r>
           </a:p>
@@ -1223,10 +1237,9 @@
           <a:lstStyle/>
           <a:p>
             <a:r>
-              <a:rPr lang="en-US" smtClean="0"/>
+              <a:rPr lang="en-US"/>
               <a:t>Click to edit Master title style</a:t>
             </a:r>
-            <a:endParaRPr lang="en-US"/>
           </a:p>
         </p:txBody>
       </p:sp>
@@ -1280,35 +1293,35 @@
           <a:p>
             <a:pPr lvl="0"/>
             <a:r>
-              <a:rPr lang="en-US" smtClean="0"/>
+              <a:rPr lang="en-US"/>
               <a:t>Click to edit Master text styles</a:t>
             </a:r>
           </a:p>
           <a:p>
             <a:pPr lvl="1"/>
             <a:r>
-              <a:rPr lang="en-US" smtClean="0"/>
+              <a:rPr lang="en-US"/>
               <a:t>Second level</a:t>
             </a:r>
           </a:p>
           <a:p>
             <a:pPr lvl="2"/>
             <a:r>
-              <a:rPr lang="en-US" smtClean="0"/>
+              <a:rPr lang="en-US"/>
               <a:t>Third level</a:t>
             </a:r>
           </a:p>
           <a:p>
             <a:pPr lvl="3"/>
             <a:r>
-              <a:rPr lang="en-US" smtClean="0"/>
+              <a:rPr lang="en-US"/>
               <a:t>Fourth level</a:t>
             </a:r>
           </a:p>
           <a:p>
             <a:pPr lvl="4"/>
             <a:r>
-              <a:rPr lang="en-US" smtClean="0"/>
+              <a:rPr lang="en-US"/>
               <a:t>Fifth level</a:t>
             </a:r>
             <a:endParaRPr lang="en-US" dirty="0"/>
@@ -1365,35 +1378,35 @@
           <a:p>
             <a:pPr lvl="0"/>
             <a:r>
-              <a:rPr lang="en-US" smtClean="0"/>
+              <a:rPr lang="en-US"/>
               <a:t>Click to edit Master text styles</a:t>
             </a:r>
           </a:p>
           <a:p>
             <a:pPr lvl="1"/>
             <a:r>
-              <a:rPr lang="en-US" smtClean="0"/>
+              <a:rPr lang="en-US"/>
               <a:t>Second level</a:t>
             </a:r>
           </a:p>
           <a:p>
             <a:pPr lvl="2"/>
             <a:r>
-              <a:rPr lang="en-US" smtClean="0"/>
+              <a:rPr lang="en-US"/>
               <a:t>Third level</a:t>
             </a:r>
           </a:p>
           <a:p>
             <a:pPr lvl="3"/>
             <a:r>
-              <a:rPr lang="en-US" smtClean="0"/>
+              <a:rPr lang="en-US"/>
               <a:t>Fourth level</a:t>
             </a:r>
           </a:p>
           <a:p>
             <a:pPr lvl="4"/>
             <a:r>
-              <a:rPr lang="en-US" smtClean="0"/>
+              <a:rPr lang="en-US"/>
               <a:t>Fifth level</a:t>
             </a:r>
             <a:endParaRPr lang="en-US" dirty="0"/>
@@ -1512,7 +1525,7 @@
           </a:lstStyle>
           <a:p>
             <a:r>
-              <a:rPr lang="en-US" smtClean="0"/>
+              <a:rPr lang="en-US"/>
               <a:t>Click to edit Master title style</a:t>
             </a:r>
             <a:endParaRPr lang="en-US" dirty="0"/>
@@ -1601,7 +1614,7 @@
           <a:p>
             <a:pPr lvl="0"/>
             <a:r>
-              <a:rPr lang="en-US" smtClean="0"/>
+              <a:rPr lang="en-US"/>
               <a:t>Click to edit Master text styles</a:t>
             </a:r>
           </a:p>
@@ -1657,35 +1670,35 @@
           <a:p>
             <a:pPr lvl="0"/>
             <a:r>
-              <a:rPr lang="en-US" smtClean="0"/>
+              <a:rPr lang="en-US"/>
               <a:t>Click to edit Master text styles</a:t>
             </a:r>
           </a:p>
           <a:p>
             <a:pPr lvl="1"/>
             <a:r>
-              <a:rPr lang="en-US" smtClean="0"/>
+              <a:rPr lang="en-US"/>
               <a:t>Second level</a:t>
             </a:r>
           </a:p>
           <a:p>
             <a:pPr lvl="2"/>
             <a:r>
-              <a:rPr lang="en-US" smtClean="0"/>
+              <a:rPr lang="en-US"/>
               <a:t>Third level</a:t>
             </a:r>
           </a:p>
           <a:p>
             <a:pPr lvl="3"/>
             <a:r>
-              <a:rPr lang="en-US" smtClean="0"/>
+              <a:rPr lang="en-US"/>
               <a:t>Fourth level</a:t>
             </a:r>
           </a:p>
           <a:p>
             <a:pPr lvl="4"/>
             <a:r>
-              <a:rPr lang="en-US" smtClean="0"/>
+              <a:rPr lang="en-US"/>
               <a:t>Fifth level</a:t>
             </a:r>
             <a:endParaRPr lang="en-US" dirty="0"/>
@@ -1777,7 +1790,7 @@
           <a:p>
             <a:pPr lvl="0"/>
             <a:r>
-              <a:rPr lang="en-US" smtClean="0"/>
+              <a:rPr lang="en-US"/>
               <a:t>Click to edit Master text styles</a:t>
             </a:r>
           </a:p>
@@ -1833,35 +1846,35 @@
           <a:p>
             <a:pPr lvl="0"/>
             <a:r>
-              <a:rPr lang="en-US" smtClean="0"/>
+              <a:rPr lang="en-US"/>
               <a:t>Click to edit Master text styles</a:t>
             </a:r>
           </a:p>
           <a:p>
             <a:pPr lvl="1"/>
             <a:r>
-              <a:rPr lang="en-US" smtClean="0"/>
+              <a:rPr lang="en-US"/>
               <a:t>Second level</a:t>
             </a:r>
           </a:p>
           <a:p>
             <a:pPr lvl="2"/>
             <a:r>
-              <a:rPr lang="en-US" smtClean="0"/>
+              <a:rPr lang="en-US"/>
               <a:t>Third level</a:t>
             </a:r>
           </a:p>
           <a:p>
             <a:pPr lvl="3"/>
             <a:r>
-              <a:rPr lang="en-US" smtClean="0"/>
+              <a:rPr lang="en-US"/>
               <a:t>Fourth level</a:t>
             </a:r>
           </a:p>
           <a:p>
             <a:pPr lvl="4"/>
             <a:r>
-              <a:rPr lang="en-US" smtClean="0"/>
+              <a:rPr lang="en-US"/>
               <a:t>Fifth level</a:t>
             </a:r>
             <a:endParaRPr lang="en-US" dirty="0"/>
@@ -2011,10 +2024,9 @@
           <a:lstStyle/>
           <a:p>
             <a:r>
-              <a:rPr lang="en-US" smtClean="0"/>
+              <a:rPr lang="en-US"/>
               <a:t>Click to edit Master title style</a:t>
             </a:r>
-            <a:endParaRPr lang="en-US"/>
           </a:p>
         </p:txBody>
       </p:sp>
@@ -2229,7 +2241,7 @@
           </a:lstStyle>
           <a:p>
             <a:r>
-              <a:rPr lang="en-US" smtClean="0"/>
+              <a:rPr lang="en-US"/>
               <a:t>Click to edit Master title style</a:t>
             </a:r>
             <a:endParaRPr lang="en-US" dirty="0"/>
@@ -2286,35 +2298,35 @@
           <a:p>
             <a:pPr lvl="0"/>
             <a:r>
-              <a:rPr lang="en-US" smtClean="0"/>
+              <a:rPr lang="en-US"/>
               <a:t>Click to edit Master text styles</a:t>
             </a:r>
           </a:p>
           <a:p>
             <a:pPr lvl="1"/>
             <a:r>
-              <a:rPr lang="en-US" smtClean="0"/>
+              <a:rPr lang="en-US"/>
               <a:t>Second level</a:t>
             </a:r>
           </a:p>
           <a:p>
             <a:pPr lvl="2"/>
             <a:r>
-              <a:rPr lang="en-US" smtClean="0"/>
+              <a:rPr lang="en-US"/>
               <a:t>Third level</a:t>
             </a:r>
           </a:p>
           <a:p>
             <a:pPr lvl="3"/>
             <a:r>
-              <a:rPr lang="en-US" smtClean="0"/>
+              <a:rPr lang="en-US"/>
               <a:t>Fourth level</a:t>
             </a:r>
           </a:p>
           <a:p>
             <a:pPr lvl="4"/>
             <a:r>
-              <a:rPr lang="en-US" smtClean="0"/>
+              <a:rPr lang="en-US"/>
               <a:t>Fifth level</a:t>
             </a:r>
             <a:endParaRPr lang="en-US" dirty="0"/>
@@ -2380,7 +2392,7 @@
           <a:p>
             <a:pPr lvl="0"/>
             <a:r>
-              <a:rPr lang="en-US" smtClean="0"/>
+              <a:rPr lang="en-US"/>
               <a:t>Click to edit Master text styles</a:t>
             </a:r>
           </a:p>
@@ -2540,7 +2552,7 @@
           </a:lstStyle>
           <a:p>
             <a:r>
-              <a:rPr lang="en-US" smtClean="0"/>
+              <a:rPr lang="en-US"/>
               <a:t>Click to edit Master title style</a:t>
             </a:r>
             <a:endParaRPr lang="en-US" dirty="0"/>
@@ -2621,7 +2633,7 @@
           </a:lstStyle>
           <a:p>
             <a:r>
-              <a:rPr lang="en-US" smtClean="0"/>
+              <a:rPr lang="en-US"/>
               <a:t>Click icon to add picture</a:t>
             </a:r>
             <a:endParaRPr lang="en-US" dirty="0"/>
@@ -2687,7 +2699,7 @@
           <a:p>
             <a:pPr lvl="0"/>
             <a:r>
-              <a:rPr lang="en-US" smtClean="0"/>
+              <a:rPr lang="en-US"/>
               <a:t>Click to edit Master text styles</a:t>
             </a:r>
           </a:p>
@@ -2862,7 +2874,7 @@
           <a:lstStyle/>
           <a:p>
             <a:r>
-              <a:rPr lang="en-US" smtClean="0"/>
+              <a:rPr lang="en-US"/>
               <a:t>Click to edit Master title style</a:t>
             </a:r>
             <a:endParaRPr lang="en-US" dirty="0"/>
@@ -2896,35 +2908,35 @@
           <a:p>
             <a:pPr lvl="0"/>
             <a:r>
-              <a:rPr lang="en-US" smtClean="0"/>
+              <a:rPr lang="en-US"/>
               <a:t>Click to edit Master text styles</a:t>
             </a:r>
           </a:p>
           <a:p>
             <a:pPr lvl="1"/>
             <a:r>
-              <a:rPr lang="en-US" smtClean="0"/>
+              <a:rPr lang="en-US"/>
               <a:t>Second level</a:t>
             </a:r>
           </a:p>
           <a:p>
             <a:pPr lvl="2"/>
             <a:r>
-              <a:rPr lang="en-US" smtClean="0"/>
+              <a:rPr lang="en-US"/>
               <a:t>Third level</a:t>
             </a:r>
           </a:p>
           <a:p>
             <a:pPr lvl="3"/>
             <a:r>
-              <a:rPr lang="en-US" smtClean="0"/>
+              <a:rPr lang="en-US"/>
               <a:t>Fourth level</a:t>
             </a:r>
           </a:p>
           <a:p>
             <a:pPr lvl="4"/>
             <a:r>
-              <a:rPr lang="en-US" smtClean="0"/>
+              <a:rPr lang="en-US"/>
               <a:t>Fifth level</a:t>
             </a:r>
             <a:endParaRPr lang="en-US" dirty="0"/>
@@ -3403,7 +3415,7 @@
             <a:lum/>
             <a:extLst>
               <a:ext uri="{BEBA8EAE-BF5A-486C-A8C5-ECC9F3942E4B}">
-                <a14:imgProps xmlns:a14="http://schemas.microsoft.com/office/drawing/2010/main" xmlns="">
+                <a14:imgProps xmlns:a14="http://schemas.microsoft.com/office/drawing/2010/main">
                   <a14:imgLayer r:embed="rId3">
                     <a14:imgEffect>
                       <a14:artisticTexturizer/>
@@ -3450,7 +3462,7 @@
           <a:blip r:embed="rId4" cstate="print">
             <a:extLst>
               <a:ext uri="{28A0092B-C50C-407E-A947-70E740481C1C}">
-                <a14:useLocalDpi xmlns:a14="http://schemas.microsoft.com/office/drawing/2010/main" xmlns="" val="0"/>
+                <a14:useLocalDpi xmlns:a14="http://schemas.microsoft.com/office/drawing/2010/main" val="0"/>
               </a:ext>
             </a:extLst>
           </a:blip>
@@ -3470,7 +3482,7 @@
           <a:noFill/>
           <a:extLst>
             <a:ext uri="{909E8E84-426E-40DD-AFC4-6F175D3DCCD1}">
-              <a14:hiddenFill xmlns:a14="http://schemas.microsoft.com/office/drawing/2010/main" xmlns="">
+              <a14:hiddenFill xmlns:a14="http://schemas.microsoft.com/office/drawing/2010/main">
                 <a:solidFill>
                   <a:srgbClr val="FFFFFF"/>
                 </a:solidFill>
@@ -3503,14 +3515,11 @@
           <a:p>
             <a:pPr algn="ctr"/>
             <a:r>
-              <a:rPr lang="en-US" sz="5400" b="1" dirty="0" smtClean="0">
+              <a:rPr lang="en-US" sz="5400" b="1" dirty="0">
                 <a:latin typeface="Comic Sans MS" pitchFamily="66" charset="0"/>
               </a:rPr>
               <a:t>BOTMAN</a:t>
             </a:r>
-            <a:endParaRPr lang="en-US" sz="5400" b="1" dirty="0">
-              <a:latin typeface="Comic Sans MS" pitchFamily="66" charset="0"/>
-            </a:endParaRPr>
           </a:p>
         </p:txBody>
       </p:sp>
@@ -3538,34 +3547,13 @@
           <a:p>
             <a:pPr algn="ctr"/>
             <a:r>
-              <a:rPr lang="en-US" sz="2400" b="1" dirty="0" smtClean="0">
+              <a:rPr lang="en-US" sz="2400" b="1" dirty="0">
                 <a:solidFill>
                   <a:srgbClr val="002060"/>
                 </a:solidFill>
               </a:rPr>
-              <a:t>SJSU </a:t>
-            </a:r>
-            <a:r>
-              <a:rPr lang="en-US" sz="2400" b="1" dirty="0" smtClean="0">
-                <a:solidFill>
-                  <a:srgbClr val="002060"/>
-                </a:solidFill>
-              </a:rPr>
-              <a:t>CMPE 272 </a:t>
-            </a:r>
-            <a:r>
-              <a:rPr lang="en-US" sz="2400" b="1" dirty="0" smtClean="0">
-                <a:solidFill>
-                  <a:srgbClr val="002060"/>
-                </a:solidFill>
-              </a:rPr>
-              <a:t>TEAM 30</a:t>
-            </a:r>
-            <a:endParaRPr lang="en-US" sz="2400" b="1" dirty="0">
-              <a:solidFill>
-                <a:srgbClr val="002060"/>
-              </a:solidFill>
-            </a:endParaRPr>
+              <a:t>SJSU CMPE 272 TEAM 30</a:t>
+            </a:r>
           </a:p>
         </p:txBody>
       </p:sp>
@@ -3593,13 +3581,13 @@
           <a:p>
             <a:pPr algn="ctr"/>
             <a:r>
-              <a:rPr lang="en-US" b="1" dirty="0" err="1" smtClean="0">
+              <a:rPr lang="en-US" b="1" dirty="0" err="1">
                 <a:latin typeface="Century Gothic" pitchFamily="34" charset="0"/>
               </a:rPr>
               <a:t>Nachiket</a:t>
             </a:r>
             <a:r>
-              <a:rPr lang="en-US" b="1" dirty="0" smtClean="0">
+              <a:rPr lang="en-US" b="1" dirty="0">
                 <a:latin typeface="Century Gothic" pitchFamily="34" charset="0"/>
               </a:rPr>
               <a:t> Joshi      -   011408956</a:t>
@@ -3608,13 +3596,13 @@
           <a:p>
             <a:pPr algn="ctr"/>
             <a:r>
-              <a:rPr lang="en-US" b="1" dirty="0" err="1" smtClean="0">
+              <a:rPr lang="en-US" b="1" dirty="0" err="1">
                 <a:latin typeface="Century Gothic" pitchFamily="34" charset="0"/>
               </a:rPr>
               <a:t>Sagar</a:t>
             </a:r>
             <a:r>
-              <a:rPr lang="en-US" b="1" dirty="0" smtClean="0">
+              <a:rPr lang="en-US" b="1" dirty="0">
                 <a:latin typeface="Century Gothic" pitchFamily="34" charset="0"/>
               </a:rPr>
               <a:t> Mane          -   011419135</a:t>
@@ -3623,25 +3611,25 @@
           <a:p>
             <a:pPr algn="ctr"/>
             <a:r>
-              <a:rPr lang="en-US" b="1" dirty="0" err="1" smtClean="0">
+              <a:rPr lang="en-US" b="1" dirty="0" err="1">
                 <a:latin typeface="Century Gothic" pitchFamily="34" charset="0"/>
               </a:rPr>
               <a:t>Abhishek</a:t>
             </a:r>
             <a:r>
-              <a:rPr lang="en-US" b="1" dirty="0" smtClean="0">
+              <a:rPr lang="en-US" b="1" dirty="0">
                 <a:latin typeface="Century Gothic" pitchFamily="34" charset="0"/>
               </a:rPr>
               <a:t> </a:t>
             </a:r>
             <a:r>
-              <a:rPr lang="en-US" b="1" dirty="0" err="1" smtClean="0">
+              <a:rPr lang="en-US" b="1" dirty="0" err="1">
                 <a:latin typeface="Century Gothic" pitchFamily="34" charset="0"/>
               </a:rPr>
               <a:t>Madan</a:t>
             </a:r>
             <a:r>
-              <a:rPr lang="en-US" b="1" dirty="0" smtClean="0">
+              <a:rPr lang="en-US" b="1" dirty="0">
                 <a:latin typeface="Century Gothic" pitchFamily="34" charset="0"/>
               </a:rPr>
               <a:t>  -   011408969</a:t>
@@ -3650,25 +3638,25 @@
           <a:p>
             <a:pPr algn="ctr"/>
             <a:r>
-              <a:rPr lang="en-US" b="1" dirty="0" err="1" smtClean="0">
+              <a:rPr lang="en-US" b="1" dirty="0" err="1">
                 <a:latin typeface="Century Gothic" pitchFamily="34" charset="0"/>
               </a:rPr>
               <a:t>Saurabh</a:t>
             </a:r>
             <a:r>
-              <a:rPr lang="en-US" b="1" dirty="0" smtClean="0">
+              <a:rPr lang="en-US" b="1" dirty="0">
                 <a:latin typeface="Century Gothic" pitchFamily="34" charset="0"/>
               </a:rPr>
               <a:t> </a:t>
             </a:r>
             <a:r>
-              <a:rPr lang="en-US" b="1" dirty="0" err="1" smtClean="0">
+              <a:rPr lang="en-US" b="1" dirty="0" err="1">
                 <a:latin typeface="Century Gothic" pitchFamily="34" charset="0"/>
               </a:rPr>
               <a:t>Gedam</a:t>
             </a:r>
             <a:r>
-              <a:rPr lang="en-US" b="1" dirty="0" smtClean="0">
+              <a:rPr lang="en-US" b="1" dirty="0">
                 <a:latin typeface="Century Gothic" pitchFamily="34" charset="0"/>
               </a:rPr>
               <a:t>   -   011451674 </a:t>
@@ -3714,20 +3702,13 @@
     </p:spTree>
     <p:extLst>
       <p:ext uri="{BB962C8B-B14F-4D97-AF65-F5344CB8AC3E}">
-        <p14:creationId xmlns:p14="http://schemas.microsoft.com/office/powerpoint/2010/main" xmlns="" val="4035399814"/>
+        <p14:creationId xmlns:p14="http://schemas.microsoft.com/office/powerpoint/2010/main" val="4035399814"/>
       </p:ext>
     </p:extLst>
   </p:cSld>
   <p:clrMapOvr>
     <a:masterClrMapping/>
   </p:clrMapOvr>
-  <p:timing>
-    <p:tnLst>
-      <p:par>
-        <p:cTn id="1" dur="indefinite" restart="never" nodeType="tmRoot"/>
-      </p:par>
-    </p:tnLst>
-  </p:timing>
 </p:sld>
 </file>
 
@@ -3764,75 +3745,57 @@
           <a:lstStyle/>
           <a:p>
             <a:r>
-              <a:rPr lang="en-US" dirty="0" smtClean="0"/>
+              <a:rPr lang="en-US" dirty="0"/>
               <a:t>What is </a:t>
             </a:r>
             <a:r>
-              <a:rPr lang="en-US" dirty="0" err="1" smtClean="0"/>
+              <a:rPr lang="en-US" dirty="0" err="1"/>
               <a:t>BotMan</a:t>
             </a:r>
             <a:r>
-              <a:rPr lang="en-US" dirty="0" smtClean="0"/>
+              <a:rPr lang="en-US" dirty="0"/>
               <a:t> ?</a:t>
             </a:r>
+          </a:p>
+        </p:txBody>
+      </p:sp>
+      <p:sp>
+        <p:nvSpPr>
+          <p:cNvPr id="3" name="Content Placeholder 2"/>
+          <p:cNvSpPr>
+            <a:spLocks noGrp="1"/>
+          </p:cNvSpPr>
+          <p:nvPr>
+            <p:ph idx="1"/>
+          </p:nvPr>
+        </p:nvSpPr>
+        <p:spPr/>
+        <p:txBody>
+          <a:bodyPr/>
+          <a:lstStyle/>
+          <a:p>
+            <a:r>
+              <a:rPr lang="en-US" dirty="0"/>
+              <a:t>A framework, as a hosted service, which would assist developers and non-developers with coding a bot, guide him through the process of setting up of the environment and deploy the bot on the cloud on a single button click.</a:t>
+            </a:r>
+          </a:p>
+          <a:p>
             <a:endParaRPr lang="en-US" dirty="0"/>
           </a:p>
-        </p:txBody>
-      </p:sp>
-      <p:sp>
-        <p:nvSpPr>
-          <p:cNvPr id="3" name="Content Placeholder 2"/>
-          <p:cNvSpPr>
-            <a:spLocks noGrp="1"/>
-          </p:cNvSpPr>
-          <p:nvPr>
-            <p:ph idx="1"/>
-          </p:nvPr>
-        </p:nvSpPr>
-        <p:spPr/>
-        <p:txBody>
-          <a:bodyPr/>
-          <a:lstStyle/>
-          <a:p>
-            <a:r>
-              <a:rPr lang="en-US" dirty="0" smtClean="0"/>
-              <a:t>A framework, as a hosted service, </a:t>
-            </a:r>
+          <a:p>
             <a:r>
               <a:rPr lang="en-US" dirty="0"/>
-              <a:t>which would assist a novice person with coding a bot, guide him through the process of setting up of the environment and deploy the bot on the cloud on a single button </a:t>
-            </a:r>
-            <a:r>
-              <a:rPr lang="en-US" dirty="0" smtClean="0"/>
-              <a:t>click.</a:t>
-            </a:r>
-          </a:p>
-          <a:p>
-            <a:endParaRPr lang="en-US" dirty="0" smtClean="0"/>
-          </a:p>
-          <a:p>
-            <a:r>
-              <a:rPr lang="en-US" dirty="0" smtClean="0"/>
-              <a:t>Anyone can </a:t>
-            </a:r>
-            <a:r>
-              <a:rPr lang="en-US" dirty="0" smtClean="0"/>
-              <a:t>create bot using node and integrate it with his slack channel.</a:t>
-            </a:r>
-          </a:p>
-          <a:p>
-            <a:endParaRPr lang="en-US" dirty="0" smtClean="0"/>
-          </a:p>
-          <a:p>
-            <a:r>
-              <a:rPr lang="en-US" dirty="0" smtClean="0"/>
-              <a:t>User can focus more on the behavioral part of the bot and less on the configuration </a:t>
-            </a:r>
-            <a:r>
-              <a:rPr lang="en-US" dirty="0" smtClean="0"/>
-              <a:t>part.</a:t>
-            </a:r>
-            <a:endParaRPr lang="en-US" dirty="0" smtClean="0"/>
+              <a:t>Anyone can create bot using node and integrate it with his slack channel.</a:t>
+            </a:r>
+          </a:p>
+          <a:p>
+            <a:endParaRPr lang="en-US" dirty="0"/>
+          </a:p>
+          <a:p>
+            <a:r>
+              <a:rPr lang="en-US" dirty="0"/>
+              <a:t>User can focus more on the behavioral part of the bot and less on the configuration part.</a:t>
+            </a:r>
           </a:p>
           <a:p>
             <a:endParaRPr lang="en-US" dirty="0"/>
@@ -3845,20 +3808,13 @@
     </p:spTree>
     <p:extLst>
       <p:ext uri="{BB962C8B-B14F-4D97-AF65-F5344CB8AC3E}">
-        <p14:creationId xmlns:p14="http://schemas.microsoft.com/office/powerpoint/2010/main" xmlns="" val="189342242"/>
+        <p14:creationId xmlns:p14="http://schemas.microsoft.com/office/powerpoint/2010/main" val="189342242"/>
       </p:ext>
     </p:extLst>
   </p:cSld>
   <p:clrMapOvr>
     <a:masterClrMapping/>
   </p:clrMapOvr>
-  <p:timing>
-    <p:tnLst>
-      <p:par>
-        <p:cTn id="1" dur="indefinite" restart="never" nodeType="tmRoot"/>
-      </p:par>
-    </p:tnLst>
-  </p:timing>
 </p:sld>
 </file>
 
@@ -3891,7 +3847,7 @@
           <a:blip r:embed="rId2" cstate="print">
             <a:extLst>
               <a:ext uri="{28A0092B-C50C-407E-A947-70E740481C1C}">
-                <a14:useLocalDpi xmlns:a14="http://schemas.microsoft.com/office/drawing/2010/main" xmlns="" val="0"/>
+                <a14:useLocalDpi xmlns:a14="http://schemas.microsoft.com/office/drawing/2010/main" val="0"/>
               </a:ext>
             </a:extLst>
           </a:blip>
@@ -3914,14 +3870,14 @@
           </a:ln>
           <a:extLst>
             <a:ext uri="{909E8E84-426E-40DD-AFC4-6F175D3DCCD1}">
-              <a14:hiddenFill xmlns:a14="http://schemas.microsoft.com/office/drawing/2010/main" xmlns="">
+              <a14:hiddenFill xmlns:a14="http://schemas.microsoft.com/office/drawing/2010/main">
                 <a:solidFill>
                   <a:srgbClr val="FFFFFF"/>
                 </a:solidFill>
               </a14:hiddenFill>
             </a:ext>
             <a:ext uri="{91240B29-F687-4F45-9708-019B960494DF}">
-              <a14:hiddenLine xmlns:a14="http://schemas.microsoft.com/office/drawing/2010/main" xmlns="" w="9525">
+              <a14:hiddenLine xmlns:a14="http://schemas.microsoft.com/office/drawing/2010/main" w="9525">
                 <a:solidFill>
                   <a:srgbClr val="000000"/>
                 </a:solidFill>
@@ -3954,10 +3910,9 @@
           <a:lstStyle/>
           <a:p>
             <a:r>
-              <a:rPr lang="en-US" dirty="0" smtClean="0"/>
+              <a:rPr lang="en-US" dirty="0"/>
               <a:t>Architecture</a:t>
             </a:r>
-            <a:endParaRPr lang="en-US" dirty="0"/>
           </a:p>
         </p:txBody>
       </p:sp>
@@ -3971,7 +3926,7 @@
           <a:blip r:embed="rId3" cstate="print">
             <a:extLst>
               <a:ext uri="{28A0092B-C50C-407E-A947-70E740481C1C}">
-                <a14:useLocalDpi xmlns:a14="http://schemas.microsoft.com/office/drawing/2010/main" xmlns="" val="0"/>
+                <a14:useLocalDpi xmlns:a14="http://schemas.microsoft.com/office/drawing/2010/main" val="0"/>
               </a:ext>
             </a:extLst>
           </a:blip>
@@ -4006,7 +3961,7 @@
           <a:blip r:embed="rId4" cstate="print">
             <a:extLst>
               <a:ext uri="{28A0092B-C50C-407E-A947-70E740481C1C}">
-                <a14:useLocalDpi xmlns:a14="http://schemas.microsoft.com/office/drawing/2010/main" xmlns="" val="0"/>
+                <a14:useLocalDpi xmlns:a14="http://schemas.microsoft.com/office/drawing/2010/main" val="0"/>
               </a:ext>
             </a:extLst>
           </a:blip>
@@ -4029,14 +3984,14 @@
           </a:ln>
           <a:extLst>
             <a:ext uri="{909E8E84-426E-40DD-AFC4-6F175D3DCCD1}">
-              <a14:hiddenFill xmlns:a14="http://schemas.microsoft.com/office/drawing/2010/main" xmlns="">
+              <a14:hiddenFill xmlns:a14="http://schemas.microsoft.com/office/drawing/2010/main">
                 <a:solidFill>
                   <a:srgbClr val="FFFFFF"/>
                 </a:solidFill>
               </a14:hiddenFill>
             </a:ext>
             <a:ext uri="{91240B29-F687-4F45-9708-019B960494DF}">
-              <a14:hiddenLine xmlns:a14="http://schemas.microsoft.com/office/drawing/2010/main" xmlns="" w="9525">
+              <a14:hiddenLine xmlns:a14="http://schemas.microsoft.com/office/drawing/2010/main" w="9525">
                 <a:solidFill>
                   <a:srgbClr val="000000"/>
                 </a:solidFill>
@@ -4060,7 +4015,7 @@
           <a:blip r:embed="rId5" cstate="print">
             <a:extLst>
               <a:ext uri="{28A0092B-C50C-407E-A947-70E740481C1C}">
-                <a14:useLocalDpi xmlns:a14="http://schemas.microsoft.com/office/drawing/2010/main" xmlns="" val="0"/>
+                <a14:useLocalDpi xmlns:a14="http://schemas.microsoft.com/office/drawing/2010/main" val="0"/>
               </a:ext>
             </a:extLst>
           </a:blip>
@@ -4084,14 +4039,14 @@
           <a:effectLst/>
           <a:extLst>
             <a:ext uri="{909E8E84-426E-40DD-AFC4-6F175D3DCCD1}">
-              <a14:hiddenFill xmlns:a14="http://schemas.microsoft.com/office/drawing/2010/main" xmlns="">
+              <a14:hiddenFill xmlns:a14="http://schemas.microsoft.com/office/drawing/2010/main">
                 <a:solidFill>
                   <a:schemeClr val="accent1"/>
                 </a:solidFill>
               </a14:hiddenFill>
             </a:ext>
             <a:ext uri="{91240B29-F687-4F45-9708-019B960494DF}">
-              <a14:hiddenLine xmlns:a14="http://schemas.microsoft.com/office/drawing/2010/main" xmlns="" w="9525">
+              <a14:hiddenLine xmlns:a14="http://schemas.microsoft.com/office/drawing/2010/main" w="9525">
                 <a:solidFill>
                   <a:schemeClr val="tx1"/>
                 </a:solidFill>
@@ -4101,7 +4056,7 @@
               </a14:hiddenLine>
             </a:ext>
             <a:ext uri="{AF507438-7753-43E0-B8FC-AC1667EBCBE1}">
-              <a14:hiddenEffects xmlns:a14="http://schemas.microsoft.com/office/drawing/2010/main" xmlns="">
+              <a14:hiddenEffects xmlns:a14="http://schemas.microsoft.com/office/drawing/2010/main">
                 <a:effectLst>
                   <a:outerShdw dist="35921" dir="2700000" algn="ctr" rotWithShape="0">
                     <a:schemeClr val="bg2"/>
@@ -4389,40 +4344,21 @@
               <a:buAutoNum type="arabicPeriod"/>
             </a:pPr>
             <a:r>
-              <a:rPr lang="en-US" dirty="0" smtClean="0"/>
-              <a:t>Register </a:t>
-            </a:r>
-            <a:r>
               <a:rPr lang="en-US" dirty="0"/>
-              <a:t>a new bot </a:t>
-            </a:r>
-            <a:endParaRPr lang="en-US" dirty="0" smtClean="0"/>
-          </a:p>
-          <a:p>
-            <a:r>
-              <a:rPr lang="en-US" dirty="0" smtClean="0"/>
-              <a:t>on </a:t>
-            </a:r>
+              <a:t>Register a new bot </a:t>
+            </a:r>
+          </a:p>
+          <a:p>
             <a:r>
               <a:rPr lang="en-US" dirty="0"/>
-              <a:t>a </a:t>
-            </a:r>
-            <a:r>
-              <a:rPr lang="en-US" dirty="0" smtClean="0"/>
-              <a:t>channel </a:t>
-            </a:r>
+              <a:t>on a channel and obtain </a:t>
+            </a:r>
+          </a:p>
+          <a:p>
             <a:r>
               <a:rPr lang="en-US" dirty="0"/>
-              <a:t>and obtain </a:t>
-            </a:r>
-            <a:endParaRPr lang="en-US" dirty="0" smtClean="0"/>
-          </a:p>
-          <a:p>
-            <a:r>
-              <a:rPr lang="en-US" dirty="0" smtClean="0"/>
               <a:t>accesses token.</a:t>
             </a:r>
-            <a:endParaRPr lang="en-US" dirty="0"/>
           </a:p>
           <a:p>
             <a:endParaRPr lang="en-US" dirty="0"/>
@@ -4457,27 +4393,22 @@
             </a:r>
             <a:r>
               <a:rPr lang="en-US" dirty="0"/>
-              <a:t> Upload bot source </a:t>
-            </a:r>
-            <a:r>
-              <a:rPr lang="en-US" dirty="0" smtClean="0"/>
-              <a:t>code on</a:t>
-            </a:r>
-          </a:p>
-          <a:p>
-            <a:r>
-              <a:rPr lang="en-US" dirty="0" smtClean="0"/>
+              <a:t> Upload bot source code on</a:t>
+            </a:r>
+          </a:p>
+          <a:p>
+            <a:r>
+              <a:rPr lang="en-US" dirty="0"/>
               <a:t> </a:t>
             </a:r>
             <a:r>
-              <a:rPr lang="en-US" dirty="0" err="1" smtClean="0"/>
+              <a:rPr lang="en-US" dirty="0" err="1"/>
               <a:t>Git</a:t>
             </a:r>
             <a:r>
-              <a:rPr lang="en-US" dirty="0" smtClean="0"/>
+              <a:rPr lang="en-US" dirty="0"/>
               <a:t>.</a:t>
             </a:r>
-            <a:endParaRPr lang="en-US" dirty="0"/>
           </a:p>
           <a:p>
             <a:endParaRPr lang="en-US" sz="2000" dirty="0"/>
@@ -4518,36 +4449,18 @@
               <a:rPr lang="en-US" dirty="0"/>
               <a:t> </a:t>
             </a:r>
-            <a:endParaRPr lang="en-US" dirty="0" smtClean="0"/>
-          </a:p>
-          <a:p>
-            <a:r>
-              <a:rPr lang="en-US" dirty="0" smtClean="0"/>
-              <a:t>Directory  </a:t>
-            </a:r>
+          </a:p>
+          <a:p>
             <a:r>
               <a:rPr lang="en-US" dirty="0"/>
-              <a:t>for </a:t>
-            </a:r>
-            <a:r>
-              <a:rPr lang="en-US" dirty="0" smtClean="0"/>
-              <a:t>deploying</a:t>
-            </a:r>
-          </a:p>
-          <a:p>
-            <a:r>
-              <a:rPr lang="en-US" dirty="0" smtClean="0"/>
-              <a:t> </a:t>
-            </a:r>
+              <a:t>Directory  for deploying</a:t>
+            </a:r>
+          </a:p>
+          <a:p>
             <a:r>
               <a:rPr lang="en-US" dirty="0"/>
-              <a:t>a </a:t>
-            </a:r>
-            <a:r>
-              <a:rPr lang="en-US" dirty="0" smtClean="0"/>
-              <a:t>bot.</a:t>
-            </a:r>
-            <a:endParaRPr lang="en-US" dirty="0"/>
+              <a:t> a bot.</a:t>
+            </a:r>
           </a:p>
           <a:p>
             <a:endParaRPr lang="en-US" dirty="0"/>
@@ -4580,25 +4493,18 @@
               <a:rPr lang="en-US" dirty="0"/>
               <a:t>4. Push bot to cloud </a:t>
             </a:r>
-            <a:endParaRPr lang="en-US" dirty="0" smtClean="0"/>
-          </a:p>
-          <a:p>
-            <a:r>
-              <a:rPr lang="en-US" dirty="0" smtClean="0"/>
-              <a:t>and </a:t>
-            </a:r>
+          </a:p>
+          <a:p>
             <a:r>
               <a:rPr lang="en-US" dirty="0"/>
-              <a:t>run it to make </a:t>
-            </a:r>
-            <a:endParaRPr lang="en-US" dirty="0" smtClean="0"/>
-          </a:p>
-          <a:p>
-            <a:r>
-              <a:rPr lang="en-US" dirty="0" smtClean="0"/>
+              <a:t>and run it to make </a:t>
+            </a:r>
+          </a:p>
+          <a:p>
+            <a:r>
+              <a:rPr lang="en-US" dirty="0"/>
               <a:t>it live.</a:t>
             </a:r>
-            <a:endParaRPr lang="en-US" dirty="0"/>
           </a:p>
           <a:p>
             <a:endParaRPr lang="en-US" dirty="0"/>
@@ -4639,16 +4545,11 @@
               <a:rPr lang="en-US" dirty="0"/>
               <a:t> listen’s </a:t>
             </a:r>
-            <a:endParaRPr lang="en-US" dirty="0" smtClean="0"/>
-          </a:p>
-          <a:p>
-            <a:r>
-              <a:rPr lang="en-US" dirty="0" smtClean="0"/>
-              <a:t>on </a:t>
-            </a:r>
+          </a:p>
+          <a:p>
             <a:r>
               <a:rPr lang="en-US" dirty="0"/>
-              <a:t>Slack Channel and replies.                  </a:t>
+              <a:t>on Slack Channel and replies.                  </a:t>
             </a:r>
           </a:p>
           <a:p>
@@ -4659,24 +4560,195 @@
     </p:spTree>
     <p:extLst>
       <p:ext uri="{BB962C8B-B14F-4D97-AF65-F5344CB8AC3E}">
-        <p14:creationId xmlns:p14="http://schemas.microsoft.com/office/powerpoint/2010/main" xmlns="" val="2920084717"/>
+        <p14:creationId xmlns:p14="http://schemas.microsoft.com/office/powerpoint/2010/main" val="2920084717"/>
       </p:ext>
     </p:extLst>
   </p:cSld>
   <p:clrMapOvr>
     <a:masterClrMapping/>
   </p:clrMapOvr>
-  <p:timing>
-    <p:tnLst>
-      <p:par>
-        <p:cTn id="1" dur="indefinite" restart="never" nodeType="tmRoot"/>
-      </p:par>
-    </p:tnLst>
-  </p:timing>
 </p:sld>
 </file>
 
 <file path=ppt/slides/slide4.xml><?xml version="1.0" encoding="utf-8"?>
+<p:sld xmlns:a="http://schemas.openxmlformats.org/drawingml/2006/main" xmlns:r="http://schemas.openxmlformats.org/officeDocument/2006/relationships" xmlns:p="http://schemas.openxmlformats.org/presentationml/2006/main">
+  <p:cSld>
+    <p:spTree>
+      <p:nvGrpSpPr>
+        <p:cNvPr id="1" name=""/>
+        <p:cNvGrpSpPr/>
+        <p:nvPr/>
+      </p:nvGrpSpPr>
+      <p:grpSpPr>
+        <a:xfrm>
+          <a:off x="0" y="0"/>
+          <a:ext cx="0" cy="0"/>
+          <a:chOff x="0" y="0"/>
+          <a:chExt cx="0" cy="0"/>
+        </a:xfrm>
+      </p:grpSpPr>
+      <p:sp>
+        <p:nvSpPr>
+          <p:cNvPr id="2" name="Title 1"/>
+          <p:cNvSpPr>
+            <a:spLocks noGrp="1"/>
+          </p:cNvSpPr>
+          <p:nvPr>
+            <p:ph type="title"/>
+          </p:nvPr>
+        </p:nvSpPr>
+        <p:spPr/>
+        <p:txBody>
+          <a:bodyPr>
+            <a:normAutofit fontScale="90000"/>
+          </a:bodyPr>
+          <a:lstStyle/>
+          <a:p>
+            <a:r>
+              <a:rPr lang="en-US" dirty="0"/>
+              <a:t>Load test statistics</a:t>
+            </a:r>
+            <a:br>
+              <a:rPr lang="en-US" sz="3600" dirty="0"/>
+            </a:br>
+            <a:r>
+              <a:rPr lang="en-US" sz="3100" dirty="0" err="1"/>
+              <a:t>Cummulative</a:t>
+            </a:r>
+            <a:r>
+              <a:rPr lang="en-US" sz="3100" dirty="0"/>
+              <a:t> Graph:</a:t>
+            </a:r>
+          </a:p>
+        </p:txBody>
+      </p:sp>
+      <p:pic>
+        <p:nvPicPr>
+          <p:cNvPr id="3" name="Picture 2"/>
+          <p:cNvPicPr>
+            <a:picLocks noChangeAspect="1"/>
+          </p:cNvPicPr>
+          <p:nvPr/>
+        </p:nvPicPr>
+        <p:blipFill>
+          <a:blip r:embed="rId2">
+            <a:extLst>
+              <a:ext uri="{28A0092B-C50C-407E-A947-70E740481C1C}">
+                <a14:useLocalDpi xmlns:a14="http://schemas.microsoft.com/office/drawing/2010/main" val="0"/>
+              </a:ext>
+            </a:extLst>
+          </a:blip>
+          <a:stretch>
+            <a:fillRect/>
+          </a:stretch>
+        </p:blipFill>
+        <p:spPr>
+          <a:xfrm>
+            <a:off x="0" y="1717010"/>
+            <a:ext cx="9144000" cy="5140990"/>
+          </a:xfrm>
+          <a:prstGeom prst="rect">
+            <a:avLst/>
+          </a:prstGeom>
+        </p:spPr>
+      </p:pic>
+    </p:spTree>
+    <p:extLst>
+      <p:ext uri="{BB962C8B-B14F-4D97-AF65-F5344CB8AC3E}">
+        <p14:creationId xmlns:p14="http://schemas.microsoft.com/office/powerpoint/2010/main" val="1394194694"/>
+      </p:ext>
+    </p:extLst>
+  </p:cSld>
+  <p:clrMapOvr>
+    <a:masterClrMapping/>
+  </p:clrMapOvr>
+</p:sld>
+</file>
+
+<file path=ppt/slides/slide5.xml><?xml version="1.0" encoding="utf-8"?>
+<p:sld xmlns:a="http://schemas.openxmlformats.org/drawingml/2006/main" xmlns:r="http://schemas.openxmlformats.org/officeDocument/2006/relationships" xmlns:p="http://schemas.openxmlformats.org/presentationml/2006/main">
+  <p:cSld>
+    <p:spTree>
+      <p:nvGrpSpPr>
+        <p:cNvPr id="1" name=""/>
+        <p:cNvGrpSpPr/>
+        <p:nvPr/>
+      </p:nvGrpSpPr>
+      <p:grpSpPr>
+        <a:xfrm>
+          <a:off x="0" y="0"/>
+          <a:ext cx="0" cy="0"/>
+          <a:chOff x="0" y="0"/>
+          <a:chExt cx="0" cy="0"/>
+        </a:xfrm>
+      </p:grpSpPr>
+      <p:sp>
+        <p:nvSpPr>
+          <p:cNvPr id="2" name="Title 1"/>
+          <p:cNvSpPr>
+            <a:spLocks noGrp="1"/>
+          </p:cNvSpPr>
+          <p:nvPr>
+            <p:ph type="title"/>
+          </p:nvPr>
+        </p:nvSpPr>
+        <p:spPr/>
+        <p:txBody>
+          <a:bodyPr>
+            <a:normAutofit/>
+          </a:bodyPr>
+          <a:lstStyle/>
+          <a:p>
+            <a:r>
+              <a:rPr lang="en-US" sz="2800" dirty="0"/>
+              <a:t>Response Time Graph:</a:t>
+            </a:r>
+          </a:p>
+        </p:txBody>
+      </p:sp>
+      <p:pic>
+        <p:nvPicPr>
+          <p:cNvPr id="5" name="Content Placeholder 4"/>
+          <p:cNvPicPr>
+            <a:picLocks noGrp="1" noChangeAspect="1"/>
+          </p:cNvPicPr>
+          <p:nvPr>
+            <p:ph idx="1"/>
+          </p:nvPr>
+        </p:nvPicPr>
+        <p:blipFill>
+          <a:blip r:embed="rId2">
+            <a:extLst>
+              <a:ext uri="{28A0092B-C50C-407E-A947-70E740481C1C}">
+                <a14:useLocalDpi xmlns:a14="http://schemas.microsoft.com/office/drawing/2010/main" val="0"/>
+              </a:ext>
+            </a:extLst>
+          </a:blip>
+          <a:stretch>
+            <a:fillRect/>
+          </a:stretch>
+        </p:blipFill>
+        <p:spPr>
+          <a:xfrm>
+            <a:off x="457200" y="1725155"/>
+            <a:ext cx="8229600" cy="4626890"/>
+          </a:xfrm>
+        </p:spPr>
+      </p:pic>
+    </p:spTree>
+    <p:extLst>
+      <p:ext uri="{BB962C8B-B14F-4D97-AF65-F5344CB8AC3E}">
+        <p14:creationId xmlns:p14="http://schemas.microsoft.com/office/powerpoint/2010/main" val="1655793141"/>
+      </p:ext>
+    </p:extLst>
+  </p:cSld>
+  <p:clrMapOvr>
+    <a:masterClrMapping/>
+  </p:clrMapOvr>
+</p:sld>
+</file>
+
+<file path=ppt/slides/slide6.xml><?xml version="1.0" encoding="utf-8"?>
 <p:sld xmlns:a="http://schemas.openxmlformats.org/drawingml/2006/main" xmlns:r="http://schemas.openxmlformats.org/officeDocument/2006/relationships" xmlns:p="http://schemas.openxmlformats.org/presentationml/2006/main" showMasterSp="0">
   <p:cSld>
     <p:spTree>
@@ -4703,7 +4775,7 @@
           <a:blip r:embed="rId2" cstate="print">
             <a:extLst>
               <a:ext uri="{28A0092B-C50C-407E-A947-70E740481C1C}">
-                <a14:useLocalDpi xmlns:a14="http://schemas.microsoft.com/office/drawing/2010/main" xmlns="" val="0"/>
+                <a14:useLocalDpi xmlns:a14="http://schemas.microsoft.com/office/drawing/2010/main" val="0"/>
               </a:ext>
             </a:extLst>
           </a:blip>
@@ -4747,34 +4819,26 @@
           <a:lstStyle/>
           <a:p>
             <a:r>
-              <a:rPr lang="en-US" dirty="0" smtClean="0"/>
+              <a:rPr lang="en-US" dirty="0"/>
               <a:t>UI Flow</a:t>
             </a:r>
-            <a:endParaRPr lang="en-US" dirty="0"/>
           </a:p>
         </p:txBody>
       </p:sp>
     </p:spTree>
     <p:extLst>
       <p:ext uri="{BB962C8B-B14F-4D97-AF65-F5344CB8AC3E}">
-        <p14:creationId xmlns:p14="http://schemas.microsoft.com/office/powerpoint/2010/main" xmlns="" val="3569775927"/>
+        <p14:creationId xmlns:p14="http://schemas.microsoft.com/office/powerpoint/2010/main" val="3569775927"/>
       </p:ext>
     </p:extLst>
   </p:cSld>
   <p:clrMapOvr>
     <a:masterClrMapping/>
   </p:clrMapOvr>
-  <p:timing>
-    <p:tnLst>
-      <p:par>
-        <p:cTn id="1" dur="indefinite" restart="never" nodeType="tmRoot"/>
-      </p:par>
-    </p:tnLst>
-  </p:timing>
 </p:sld>
 </file>
 
-<file path=ppt/slides/slide5.xml><?xml version="1.0" encoding="utf-8"?>
+<file path=ppt/slides/slide7.xml><?xml version="1.0" encoding="utf-8"?>
 <p:sld xmlns:a="http://schemas.openxmlformats.org/drawingml/2006/main" xmlns:r="http://schemas.openxmlformats.org/officeDocument/2006/relationships" xmlns:p="http://schemas.openxmlformats.org/presentationml/2006/main">
   <p:cSld>
     <p:spTree>
@@ -4807,9 +4871,42 @@
           <a:lstStyle/>
           <a:p>
             <a:r>
-              <a:rPr lang="en-US" dirty="0" smtClean="0"/>
-              <a:t>Load test statistics</a:t>
-            </a:r>
+              <a:rPr lang="en-US" dirty="0"/>
+              <a:t>Business Model:</a:t>
+            </a:r>
+          </a:p>
+        </p:txBody>
+      </p:sp>
+      <p:sp>
+        <p:nvSpPr>
+          <p:cNvPr id="3" name="Content Placeholder 2"/>
+          <p:cNvSpPr>
+            <a:spLocks noGrp="1"/>
+          </p:cNvSpPr>
+          <p:nvPr>
+            <p:ph idx="1"/>
+          </p:nvPr>
+        </p:nvSpPr>
+        <p:spPr/>
+        <p:txBody>
+          <a:bodyPr/>
+          <a:lstStyle/>
+          <a:p>
+            <a:r>
+              <a:rPr lang="en-US" dirty="0"/>
+              <a:t>Maintaining copies of all the codes uploaded through the framework which can be used to analytics.</a:t>
+            </a:r>
+          </a:p>
+          <a:p>
+            <a:r>
+              <a:rPr lang="en-US" dirty="0"/>
+              <a:t>Advertising on the website.</a:t>
+            </a:r>
+          </a:p>
+          <a:p>
+            <a:pPr marL="0" indent="0">
+              <a:buNone/>
+            </a:pPr>
             <a:endParaRPr lang="en-US" dirty="0"/>
           </a:p>
         </p:txBody>
@@ -4817,24 +4914,17 @@
     </p:spTree>
     <p:extLst>
       <p:ext uri="{BB962C8B-B14F-4D97-AF65-F5344CB8AC3E}">
-        <p14:creationId xmlns:p14="http://schemas.microsoft.com/office/powerpoint/2010/main" xmlns="" val="1394194694"/>
+        <p14:creationId xmlns:p14="http://schemas.microsoft.com/office/powerpoint/2010/main" val="3834912069"/>
       </p:ext>
     </p:extLst>
   </p:cSld>
   <p:clrMapOvr>
     <a:masterClrMapping/>
   </p:clrMapOvr>
-  <p:timing>
-    <p:tnLst>
-      <p:par>
-        <p:cTn id="1" dur="indefinite" restart="never" nodeType="tmRoot"/>
-      </p:par>
-    </p:tnLst>
-  </p:timing>
 </p:sld>
 </file>
 
-<file path=ppt/slides/slide6.xml><?xml version="1.0" encoding="utf-8"?>
+<file path=ppt/slides/slide8.xml><?xml version="1.0" encoding="utf-8"?>
 <p:sld xmlns:a="http://schemas.openxmlformats.org/drawingml/2006/main" xmlns:r="http://schemas.openxmlformats.org/officeDocument/2006/relationships" xmlns:p="http://schemas.openxmlformats.org/presentationml/2006/main">
   <p:cSld>
     <p:spTree>
@@ -4867,10 +4957,9 @@
           <a:lstStyle/>
           <a:p>
             <a:r>
-              <a:rPr lang="en-US" dirty="0" smtClean="0"/>
+              <a:rPr lang="en-US" dirty="0"/>
               <a:t>Future scope</a:t>
             </a:r>
-            <a:endParaRPr lang="en-US" dirty="0"/>
           </a:p>
         </p:txBody>
       </p:sp>
@@ -4890,53 +4979,52 @@
           <a:lstStyle/>
           <a:p>
             <a:r>
-              <a:rPr lang="en-US" dirty="0" smtClean="0"/>
-              <a:t>Support more programming languages.</a:t>
-            </a:r>
-          </a:p>
-          <a:p>
-            <a:endParaRPr lang="en-US" dirty="0" smtClean="0"/>
-          </a:p>
-          <a:p>
-            <a:r>
-              <a:rPr lang="en-US" dirty="0" smtClean="0"/>
-              <a:t>Maintain all the </a:t>
-            </a:r>
-            <a:r>
-              <a:rPr lang="en-US" smtClean="0"/>
-              <a:t>bots created by the user in the past.</a:t>
-            </a:r>
-            <a:endParaRPr lang="en-US" dirty="0" smtClean="0"/>
-          </a:p>
-          <a:p>
-            <a:endParaRPr lang="en-US" dirty="0"/>
-          </a:p>
-          <a:p>
-            <a:endParaRPr lang="en-US" dirty="0"/>
+              <a:rPr lang="en-US" dirty="0"/>
+              <a:t>Extending our platforms to support other popular social media platforms like Facebook, Twitter and </a:t>
+            </a:r>
+            <a:r>
+              <a:rPr lang="en-US" dirty="0" err="1"/>
+              <a:t>Whatsapp</a:t>
+            </a:r>
+            <a:r>
+              <a:rPr lang="en-US" dirty="0"/>
+              <a:t>.</a:t>
+            </a:r>
+          </a:p>
+          <a:p>
+            <a:r>
+              <a:rPr lang="en-US" dirty="0"/>
+              <a:t>Support for more programming languages.</a:t>
+            </a:r>
+          </a:p>
+          <a:p>
+            <a:r>
+              <a:rPr lang="en-US" dirty="0"/>
+              <a:t>Enhancement of user experience.</a:t>
+            </a:r>
+          </a:p>
+          <a:p>
+            <a:r>
+              <a:rPr lang="en-US" dirty="0"/>
+              <a:t>Embed a emulator on the website.</a:t>
+            </a:r>
           </a:p>
         </p:txBody>
       </p:sp>
     </p:spTree>
     <p:extLst>
       <p:ext uri="{BB962C8B-B14F-4D97-AF65-F5344CB8AC3E}">
-        <p14:creationId xmlns:p14="http://schemas.microsoft.com/office/powerpoint/2010/main" xmlns="" val="1359323760"/>
+        <p14:creationId xmlns:p14="http://schemas.microsoft.com/office/powerpoint/2010/main" val="1359323760"/>
       </p:ext>
     </p:extLst>
   </p:cSld>
   <p:clrMapOvr>
     <a:masterClrMapping/>
   </p:clrMapOvr>
-  <p:timing>
-    <p:tnLst>
-      <p:par>
-        <p:cTn id="1" dur="indefinite" restart="never" nodeType="tmRoot"/>
-      </p:par>
-    </p:tnLst>
-  </p:timing>
 </p:sld>
 </file>
 
-<file path=ppt/slides/slide7.xml><?xml version="1.0" encoding="utf-8"?>
+<file path=ppt/slides/slide9.xml><?xml version="1.0" encoding="utf-8"?>
 <p:sld xmlns:a="http://schemas.openxmlformats.org/drawingml/2006/main" xmlns:r="http://schemas.openxmlformats.org/officeDocument/2006/relationships" xmlns:p="http://schemas.openxmlformats.org/presentationml/2006/main">
   <p:cSld>
     <p:spTree>
@@ -4965,7 +5053,7 @@
           <a:blip r:embed="rId2" cstate="print">
             <a:extLst>
               <a:ext uri="{28A0092B-C50C-407E-A947-70E740481C1C}">
-                <a14:useLocalDpi xmlns:a14="http://schemas.microsoft.com/office/drawing/2010/main" xmlns="" val="0"/>
+                <a14:useLocalDpi xmlns:a14="http://schemas.microsoft.com/office/drawing/2010/main" val="0"/>
               </a:ext>
             </a:extLst>
           </a:blip>
@@ -4985,7 +5073,7 @@
           <a:noFill/>
           <a:extLst>
             <a:ext uri="{909E8E84-426E-40DD-AFC4-6F175D3DCCD1}">
-              <a14:hiddenFill xmlns:a14="http://schemas.microsoft.com/office/drawing/2010/main" xmlns="">
+              <a14:hiddenFill xmlns:a14="http://schemas.microsoft.com/office/drawing/2010/main">
                 <a:solidFill>
                   <a:srgbClr val="FFFFFF"/>
                 </a:solidFill>
@@ -5006,7 +5094,7 @@
           <a:blip r:embed="rId3" cstate="print">
             <a:extLst>
               <a:ext uri="{28A0092B-C50C-407E-A947-70E740481C1C}">
-                <a14:useLocalDpi xmlns:a14="http://schemas.microsoft.com/office/drawing/2010/main" xmlns="" val="0"/>
+                <a14:useLocalDpi xmlns:a14="http://schemas.microsoft.com/office/drawing/2010/main" val="0"/>
               </a:ext>
             </a:extLst>
           </a:blip>
@@ -5026,7 +5114,7 @@
           <a:noFill/>
           <a:extLst>
             <a:ext uri="{909E8E84-426E-40DD-AFC4-6F175D3DCCD1}">
-              <a14:hiddenFill xmlns:a14="http://schemas.microsoft.com/office/drawing/2010/main" xmlns="">
+              <a14:hiddenFill xmlns:a14="http://schemas.microsoft.com/office/drawing/2010/main">
                 <a:solidFill>
                   <a:srgbClr val="FFFFFF"/>
                 </a:solidFill>
@@ -5047,7 +5135,7 @@
           <a:blip r:embed="rId3" cstate="print">
             <a:extLst>
               <a:ext uri="{28A0092B-C50C-407E-A947-70E740481C1C}">
-                <a14:useLocalDpi xmlns:a14="http://schemas.microsoft.com/office/drawing/2010/main" xmlns="" val="0"/>
+                <a14:useLocalDpi xmlns:a14="http://schemas.microsoft.com/office/drawing/2010/main" val="0"/>
               </a:ext>
             </a:extLst>
           </a:blip>
@@ -5067,7 +5155,7 @@
           <a:noFill/>
           <a:extLst>
             <a:ext uri="{909E8E84-426E-40DD-AFC4-6F175D3DCCD1}">
-              <a14:hiddenFill xmlns:a14="http://schemas.microsoft.com/office/drawing/2010/main" xmlns="">
+              <a14:hiddenFill xmlns:a14="http://schemas.microsoft.com/office/drawing/2010/main">
                 <a:solidFill>
                   <a:srgbClr val="FFFFFF"/>
                 </a:solidFill>
@@ -5121,7 +5209,7 @@
           <a:blip r:embed="rId4" cstate="print">
             <a:extLst>
               <a:ext uri="{28A0092B-C50C-407E-A947-70E740481C1C}">
-                <a14:useLocalDpi xmlns:a14="http://schemas.microsoft.com/office/drawing/2010/main" xmlns="" val="0"/>
+                <a14:useLocalDpi xmlns:a14="http://schemas.microsoft.com/office/drawing/2010/main" val="0"/>
               </a:ext>
             </a:extLst>
           </a:blip>
@@ -5141,7 +5229,7 @@
           <a:noFill/>
           <a:extLst>
             <a:ext uri="{909E8E84-426E-40DD-AFC4-6F175D3DCCD1}">
-              <a14:hiddenFill xmlns:a14="http://schemas.microsoft.com/office/drawing/2010/main" xmlns="">
+              <a14:hiddenFill xmlns:a14="http://schemas.microsoft.com/office/drawing/2010/main">
                 <a:solidFill>
                   <a:srgbClr val="FFFFFF"/>
                 </a:solidFill>
@@ -5153,7 +5241,7 @@
     </p:spTree>
     <p:extLst>
       <p:ext uri="{BB962C8B-B14F-4D97-AF65-F5344CB8AC3E}">
-        <p14:creationId xmlns:p14="http://schemas.microsoft.com/office/powerpoint/2010/main" xmlns="" val="165969356"/>
+        <p14:creationId xmlns:p14="http://schemas.microsoft.com/office/powerpoint/2010/main" val="165969356"/>
       </p:ext>
     </p:extLst>
   </p:cSld>

--- a/Documents/Presentation.pptx
+++ b/Documents/Presentation.pptx
@@ -4535,15 +4535,7 @@
           <a:p>
             <a:r>
               <a:rPr lang="en-US" dirty="0"/>
-              <a:t>5. Bot deployed on </a:t>
-            </a:r>
-            <a:r>
-              <a:rPr lang="en-US" dirty="0" err="1"/>
-              <a:t>Heroku</a:t>
-            </a:r>
-            <a:r>
-              <a:rPr lang="en-US" dirty="0"/>
-              <a:t> listen’s </a:t>
+              <a:t>5. Bot deployed on Heroku listens </a:t>
             </a:r>
           </a:p>
           <a:p>
@@ -4557,6 +4549,96 @@
           </a:p>
         </p:txBody>
       </p:sp>
+      <p:pic>
+        <p:nvPicPr>
+          <p:cNvPr id="2" name="Picture 1"/>
+          <p:cNvPicPr>
+            <a:picLocks noChangeAspect="1"/>
+          </p:cNvPicPr>
+          <p:nvPr/>
+        </p:nvPicPr>
+        <p:blipFill>
+          <a:blip r:embed="rId6">
+            <a:extLst>
+              <a:ext uri="{28A0092B-C50C-407E-A947-70E740481C1C}">
+                <a14:useLocalDpi xmlns:a14="http://schemas.microsoft.com/office/drawing/2010/main" val="0"/>
+              </a:ext>
+            </a:extLst>
+          </a:blip>
+          <a:stretch>
+            <a:fillRect/>
+          </a:stretch>
+        </p:blipFill>
+        <p:spPr>
+          <a:xfrm>
+            <a:off x="2535467" y="6002185"/>
+            <a:ext cx="797719" cy="606453"/>
+          </a:xfrm>
+          <a:prstGeom prst="rect">
+            <a:avLst/>
+          </a:prstGeom>
+        </p:spPr>
+      </p:pic>
+      <p:cxnSp>
+        <p:nvCxnSpPr>
+          <p:cNvPr id="4" name="Straight Connector 3"/>
+          <p:cNvCxnSpPr/>
+          <p:nvPr/>
+        </p:nvCxnSpPr>
+        <p:spPr>
+          <a:xfrm flipV="1">
+            <a:off x="3352800" y="4798503"/>
+            <a:ext cx="682305" cy="1127484"/>
+          </a:xfrm>
+          <a:prstGeom prst="line">
+            <a:avLst/>
+          </a:prstGeom>
+        </p:spPr>
+        <p:style>
+          <a:lnRef idx="1">
+            <a:schemeClr val="accent1"/>
+          </a:lnRef>
+          <a:fillRef idx="0">
+            <a:schemeClr val="accent1"/>
+          </a:fillRef>
+          <a:effectRef idx="0">
+            <a:schemeClr val="accent1"/>
+          </a:effectRef>
+          <a:fontRef idx="minor">
+            <a:schemeClr val="tx1"/>
+          </a:fontRef>
+        </p:style>
+      </p:cxnSp>
+      <p:cxnSp>
+        <p:nvCxnSpPr>
+          <p:cNvPr id="22" name="Straight Connector 21"/>
+          <p:cNvCxnSpPr/>
+          <p:nvPr/>
+        </p:nvCxnSpPr>
+        <p:spPr>
+          <a:xfrm flipV="1">
+            <a:off x="3505200" y="5865911"/>
+            <a:ext cx="1820377" cy="291416"/>
+          </a:xfrm>
+          <a:prstGeom prst="line">
+            <a:avLst/>
+          </a:prstGeom>
+        </p:spPr>
+        <p:style>
+          <a:lnRef idx="1">
+            <a:schemeClr val="accent1"/>
+          </a:lnRef>
+          <a:fillRef idx="0">
+            <a:schemeClr val="accent1"/>
+          </a:fillRef>
+          <a:effectRef idx="0">
+            <a:schemeClr val="accent1"/>
+          </a:effectRef>
+          <a:fontRef idx="minor">
+            <a:schemeClr val="tx1"/>
+          </a:fontRef>
+        </p:style>
+      </p:cxnSp>
     </p:spTree>
     <p:extLst>
       <p:ext uri="{BB962C8B-B14F-4D97-AF65-F5344CB8AC3E}">
@@ -4612,12 +4694,8 @@
               <a:rPr lang="en-US" sz="3600" dirty="0"/>
             </a:br>
             <a:r>
-              <a:rPr lang="en-US" sz="3100" dirty="0" err="1"/>
-              <a:t>Cummulative</a:t>
-            </a:r>
-            <a:r>
               <a:rPr lang="en-US" sz="3100" dirty="0"/>
-              <a:t> Graph:</a:t>
+              <a:t>Cumulative Graph:</a:t>
             </a:r>
           </a:p>
         </p:txBody>
@@ -4894,7 +4972,7 @@
           <a:p>
             <a:r>
               <a:rPr lang="en-US" dirty="0"/>
-              <a:t>Maintaining copies of all the codes uploaded through the framework which can be used to analytics.</a:t>
+              <a:t>Maintaining copies of all the codes and JSON packages uploaded through the framework which can be used for analytics.</a:t>
             </a:r>
           </a:p>
           <a:p>
@@ -4902,6 +4980,40 @@
               <a:rPr lang="en-US" dirty="0"/>
               <a:t>Advertising on the website.</a:t>
             </a:r>
+          </a:p>
+          <a:p>
+            <a:endParaRPr lang="en-US" dirty="0"/>
+          </a:p>
+          <a:p>
+            <a:r>
+              <a:rPr lang="en-US" dirty="0">
+                <a:solidFill>
+                  <a:srgbClr val="C00000"/>
+                </a:solidFill>
+              </a:rPr>
+              <a:t>Niche Value:</a:t>
+            </a:r>
+          </a:p>
+          <a:p>
+            <a:r>
+              <a:rPr lang="en-US" dirty="0"/>
+              <a:t>There is only one competitor in the bot building market : </a:t>
+            </a:r>
+            <a:r>
+              <a:rPr lang="en-US" dirty="0">
+                <a:solidFill>
+                  <a:srgbClr val="C00000"/>
+                </a:solidFill>
+              </a:rPr>
+              <a:t>gupshup.io. </a:t>
+            </a:r>
+          </a:p>
+          <a:p>
+            <a:endParaRPr lang="en-US" dirty="0">
+              <a:solidFill>
+                <a:srgbClr val="C00000"/>
+              </a:solidFill>
+            </a:endParaRPr>
           </a:p>
           <a:p>
             <a:pPr marL="0" indent="0">
